--- a/info/Info- Pagina de internet.pptx
+++ b/info/Info- Pagina de internet.pptx
@@ -308,7 +308,7 @@
           <a:p>
             <a:fld id="{F1B3AD12-DE30-C54B-B0C9-A36789D605E5}" type="datetimeFigureOut">
               <a:rPr lang="es-ES" smtClean="0"/>
-              <a:t>23/02/15</a:t>
+              <a:t>13/03/15</a:t>
             </a:fld>
             <a:endParaRPr lang="es-ES_tradnl"/>
           </a:p>
@@ -478,7 +478,7 @@
           <a:p>
             <a:fld id="{F1B3AD12-DE30-C54B-B0C9-A36789D605E5}" type="datetimeFigureOut">
               <a:rPr lang="es-ES" smtClean="0"/>
-              <a:t>23/02/15</a:t>
+              <a:t>13/03/15</a:t>
             </a:fld>
             <a:endParaRPr lang="es-ES_tradnl"/>
           </a:p>
@@ -658,7 +658,7 @@
           <a:p>
             <a:fld id="{F1B3AD12-DE30-C54B-B0C9-A36789D605E5}" type="datetimeFigureOut">
               <a:rPr lang="es-ES" smtClean="0"/>
-              <a:t>23/02/15</a:t>
+              <a:t>13/03/15</a:t>
             </a:fld>
             <a:endParaRPr lang="es-ES_tradnl"/>
           </a:p>
@@ -828,7 +828,7 @@
           <a:p>
             <a:fld id="{F1B3AD12-DE30-C54B-B0C9-A36789D605E5}" type="datetimeFigureOut">
               <a:rPr lang="es-ES" smtClean="0"/>
-              <a:t>23/02/15</a:t>
+              <a:t>13/03/15</a:t>
             </a:fld>
             <a:endParaRPr lang="es-ES_tradnl"/>
           </a:p>
@@ -1074,7 +1074,7 @@
           <a:p>
             <a:fld id="{F1B3AD12-DE30-C54B-B0C9-A36789D605E5}" type="datetimeFigureOut">
               <a:rPr lang="es-ES" smtClean="0"/>
-              <a:t>23/02/15</a:t>
+              <a:t>13/03/15</a:t>
             </a:fld>
             <a:endParaRPr lang="es-ES_tradnl"/>
           </a:p>
@@ -1362,7 +1362,7 @@
           <a:p>
             <a:fld id="{F1B3AD12-DE30-C54B-B0C9-A36789D605E5}" type="datetimeFigureOut">
               <a:rPr lang="es-ES" smtClean="0"/>
-              <a:t>23/02/15</a:t>
+              <a:t>13/03/15</a:t>
             </a:fld>
             <a:endParaRPr lang="es-ES_tradnl"/>
           </a:p>
@@ -1784,7 +1784,7 @@
           <a:p>
             <a:fld id="{F1B3AD12-DE30-C54B-B0C9-A36789D605E5}" type="datetimeFigureOut">
               <a:rPr lang="es-ES" smtClean="0"/>
-              <a:t>23/02/15</a:t>
+              <a:t>13/03/15</a:t>
             </a:fld>
             <a:endParaRPr lang="es-ES_tradnl"/>
           </a:p>
@@ -1902,7 +1902,7 @@
           <a:p>
             <a:fld id="{F1B3AD12-DE30-C54B-B0C9-A36789D605E5}" type="datetimeFigureOut">
               <a:rPr lang="es-ES" smtClean="0"/>
-              <a:t>23/02/15</a:t>
+              <a:t>13/03/15</a:t>
             </a:fld>
             <a:endParaRPr lang="es-ES_tradnl"/>
           </a:p>
@@ -1997,7 +1997,7 @@
           <a:p>
             <a:fld id="{F1B3AD12-DE30-C54B-B0C9-A36789D605E5}" type="datetimeFigureOut">
               <a:rPr lang="es-ES" smtClean="0"/>
-              <a:t>23/02/15</a:t>
+              <a:t>13/03/15</a:t>
             </a:fld>
             <a:endParaRPr lang="es-ES_tradnl"/>
           </a:p>
@@ -2274,7 +2274,7 @@
           <a:p>
             <a:fld id="{F1B3AD12-DE30-C54B-B0C9-A36789D605E5}" type="datetimeFigureOut">
               <a:rPr lang="es-ES" smtClean="0"/>
-              <a:t>23/02/15</a:t>
+              <a:t>13/03/15</a:t>
             </a:fld>
             <a:endParaRPr lang="es-ES_tradnl"/>
           </a:p>
@@ -2527,7 +2527,7 @@
           <a:p>
             <a:fld id="{F1B3AD12-DE30-C54B-B0C9-A36789D605E5}" type="datetimeFigureOut">
               <a:rPr lang="es-ES" smtClean="0"/>
-              <a:t>23/02/15</a:t>
+              <a:t>13/03/15</a:t>
             </a:fld>
             <a:endParaRPr lang="es-ES_tradnl"/>
           </a:p>
@@ -2740,7 +2740,7 @@
           <a:p>
             <a:fld id="{F1B3AD12-DE30-C54B-B0C9-A36789D605E5}" type="datetimeFigureOut">
               <a:rPr lang="es-ES" smtClean="0"/>
-              <a:t>23/02/15</a:t>
+              <a:t>13/03/15</a:t>
             </a:fld>
             <a:endParaRPr lang="es-ES_tradnl"/>
           </a:p>
@@ -5725,6 +5725,44 @@
           </a:p>
         </p:txBody>
       </p:sp>
+      <p:sp>
+        <p:nvSpPr>
+          <p:cNvPr id="13" name="Rectángulo 12"/>
+          <p:cNvSpPr/>
+          <p:nvPr/>
+        </p:nvSpPr>
+        <p:spPr>
+          <a:xfrm>
+            <a:off x="303733" y="284177"/>
+            <a:ext cx="708690" cy="423123"/>
+          </a:xfrm>
+          <a:prstGeom prst="rect">
+            <a:avLst/>
+          </a:prstGeom>
+        </p:spPr>
+        <p:style>
+          <a:lnRef idx="1">
+            <a:schemeClr val="accent6"/>
+          </a:lnRef>
+          <a:fillRef idx="3">
+            <a:schemeClr val="accent6"/>
+          </a:fillRef>
+          <a:effectRef idx="2">
+            <a:schemeClr val="accent6"/>
+          </a:effectRef>
+          <a:fontRef idx="minor">
+            <a:schemeClr val="lt1"/>
+          </a:fontRef>
+        </p:style>
+        <p:txBody>
+          <a:bodyPr rtlCol="0" anchor="ctr"/>
+          <a:lstStyle/>
+          <a:p>
+            <a:pPr algn="ctr"/>
+            <a:endParaRPr lang="es-ES"/>
+          </a:p>
+        </p:txBody>
+      </p:sp>
     </p:spTree>
     <p:extLst>
       <p:ext uri="{BB962C8B-B14F-4D97-AF65-F5344CB8AC3E}">
@@ -6258,6 +6296,44 @@
           </a:prstGeom>
         </p:spPr>
       </p:pic>
+      <p:sp>
+        <p:nvSpPr>
+          <p:cNvPr id="9" name="Rectángulo 8"/>
+          <p:cNvSpPr/>
+          <p:nvPr/>
+        </p:nvSpPr>
+        <p:spPr>
+          <a:xfrm>
+            <a:off x="303733" y="284177"/>
+            <a:ext cx="708690" cy="423123"/>
+          </a:xfrm>
+          <a:prstGeom prst="rect">
+            <a:avLst/>
+          </a:prstGeom>
+        </p:spPr>
+        <p:style>
+          <a:lnRef idx="1">
+            <a:schemeClr val="accent6"/>
+          </a:lnRef>
+          <a:fillRef idx="3">
+            <a:schemeClr val="accent6"/>
+          </a:fillRef>
+          <a:effectRef idx="2">
+            <a:schemeClr val="accent6"/>
+          </a:effectRef>
+          <a:fontRef idx="minor">
+            <a:schemeClr val="lt1"/>
+          </a:fontRef>
+        </p:style>
+        <p:txBody>
+          <a:bodyPr rtlCol="0" anchor="ctr"/>
+          <a:lstStyle/>
+          <a:p>
+            <a:pPr algn="ctr"/>
+            <a:endParaRPr lang="es-ES"/>
+          </a:p>
+        </p:txBody>
+      </p:sp>
     </p:spTree>
     <p:extLst>
       <p:ext uri="{BB962C8B-B14F-4D97-AF65-F5344CB8AC3E}">
@@ -6791,6 +6867,44 @@
           </a:p>
         </p:txBody>
       </p:sp>
+      <p:sp>
+        <p:nvSpPr>
+          <p:cNvPr id="9" name="Rectángulo 8"/>
+          <p:cNvSpPr/>
+          <p:nvPr/>
+        </p:nvSpPr>
+        <p:spPr>
+          <a:xfrm>
+            <a:off x="303733" y="284177"/>
+            <a:ext cx="708690" cy="423123"/>
+          </a:xfrm>
+          <a:prstGeom prst="rect">
+            <a:avLst/>
+          </a:prstGeom>
+        </p:spPr>
+        <p:style>
+          <a:lnRef idx="1">
+            <a:schemeClr val="accent6"/>
+          </a:lnRef>
+          <a:fillRef idx="3">
+            <a:schemeClr val="accent6"/>
+          </a:fillRef>
+          <a:effectRef idx="2">
+            <a:schemeClr val="accent6"/>
+          </a:effectRef>
+          <a:fontRef idx="minor">
+            <a:schemeClr val="lt1"/>
+          </a:fontRef>
+        </p:style>
+        <p:txBody>
+          <a:bodyPr rtlCol="0" anchor="ctr"/>
+          <a:lstStyle/>
+          <a:p>
+            <a:pPr algn="ctr"/>
+            <a:endParaRPr lang="es-ES"/>
+          </a:p>
+        </p:txBody>
+      </p:sp>
     </p:spTree>
     <p:extLst>
       <p:ext uri="{BB962C8B-B14F-4D97-AF65-F5344CB8AC3E}">
@@ -7323,6 +7437,44 @@
           </a:p>
         </p:txBody>
       </p:sp>
+      <p:sp>
+        <p:nvSpPr>
+          <p:cNvPr id="12" name="Rectángulo 11"/>
+          <p:cNvSpPr/>
+          <p:nvPr/>
+        </p:nvSpPr>
+        <p:spPr>
+          <a:xfrm>
+            <a:off x="303733" y="284177"/>
+            <a:ext cx="708690" cy="423123"/>
+          </a:xfrm>
+          <a:prstGeom prst="rect">
+            <a:avLst/>
+          </a:prstGeom>
+        </p:spPr>
+        <p:style>
+          <a:lnRef idx="1">
+            <a:schemeClr val="accent6"/>
+          </a:lnRef>
+          <a:fillRef idx="3">
+            <a:schemeClr val="accent6"/>
+          </a:fillRef>
+          <a:effectRef idx="2">
+            <a:schemeClr val="accent6"/>
+          </a:effectRef>
+          <a:fontRef idx="minor">
+            <a:schemeClr val="lt1"/>
+          </a:fontRef>
+        </p:style>
+        <p:txBody>
+          <a:bodyPr rtlCol="0" anchor="ctr"/>
+          <a:lstStyle/>
+          <a:p>
+            <a:pPr algn="ctr"/>
+            <a:endParaRPr lang="es-ES"/>
+          </a:p>
+        </p:txBody>
+      </p:sp>
     </p:spTree>
     <p:extLst>
       <p:ext uri="{BB962C8B-B14F-4D97-AF65-F5344CB8AC3E}">
@@ -7855,6 +8007,44 @@
           </a:p>
         </p:txBody>
       </p:sp>
+      <p:sp>
+        <p:nvSpPr>
+          <p:cNvPr id="13" name="Rectángulo 12"/>
+          <p:cNvSpPr/>
+          <p:nvPr/>
+        </p:nvSpPr>
+        <p:spPr>
+          <a:xfrm>
+            <a:off x="303733" y="284177"/>
+            <a:ext cx="708690" cy="423123"/>
+          </a:xfrm>
+          <a:prstGeom prst="rect">
+            <a:avLst/>
+          </a:prstGeom>
+        </p:spPr>
+        <p:style>
+          <a:lnRef idx="1">
+            <a:schemeClr val="accent6"/>
+          </a:lnRef>
+          <a:fillRef idx="3">
+            <a:schemeClr val="accent6"/>
+          </a:fillRef>
+          <a:effectRef idx="2">
+            <a:schemeClr val="accent6"/>
+          </a:effectRef>
+          <a:fontRef idx="minor">
+            <a:schemeClr val="lt1"/>
+          </a:fontRef>
+        </p:style>
+        <p:txBody>
+          <a:bodyPr rtlCol="0" anchor="ctr"/>
+          <a:lstStyle/>
+          <a:p>
+            <a:pPr algn="ctr"/>
+            <a:endParaRPr lang="es-ES"/>
+          </a:p>
+        </p:txBody>
+      </p:sp>
     </p:spTree>
     <p:extLst>
       <p:ext uri="{BB962C8B-B14F-4D97-AF65-F5344CB8AC3E}">
@@ -8295,6 +8485,44 @@
           </a:p>
         </p:txBody>
       </p:sp>
+      <p:sp>
+        <p:nvSpPr>
+          <p:cNvPr id="6" name="Rectángulo 5"/>
+          <p:cNvSpPr/>
+          <p:nvPr/>
+        </p:nvSpPr>
+        <p:spPr>
+          <a:xfrm>
+            <a:off x="303733" y="284177"/>
+            <a:ext cx="708690" cy="423123"/>
+          </a:xfrm>
+          <a:prstGeom prst="rect">
+            <a:avLst/>
+          </a:prstGeom>
+        </p:spPr>
+        <p:style>
+          <a:lnRef idx="1">
+            <a:schemeClr val="accent6"/>
+          </a:lnRef>
+          <a:fillRef idx="3">
+            <a:schemeClr val="accent6"/>
+          </a:fillRef>
+          <a:effectRef idx="2">
+            <a:schemeClr val="accent6"/>
+          </a:effectRef>
+          <a:fontRef idx="minor">
+            <a:schemeClr val="lt1"/>
+          </a:fontRef>
+        </p:style>
+        <p:txBody>
+          <a:bodyPr rtlCol="0" anchor="ctr"/>
+          <a:lstStyle/>
+          <a:p>
+            <a:pPr algn="ctr"/>
+            <a:endParaRPr lang="es-ES"/>
+          </a:p>
+        </p:txBody>
+      </p:sp>
     </p:spTree>
     <p:extLst>
       <p:ext uri="{BB962C8B-B14F-4D97-AF65-F5344CB8AC3E}">
@@ -8454,6 +8682,44 @@
           </a:p>
         </p:txBody>
       </p:sp>
+      <p:sp>
+        <p:nvSpPr>
+          <p:cNvPr id="5" name="Rectángulo 4"/>
+          <p:cNvSpPr/>
+          <p:nvPr/>
+        </p:nvSpPr>
+        <p:spPr>
+          <a:xfrm>
+            <a:off x="303733" y="284177"/>
+            <a:ext cx="708690" cy="423123"/>
+          </a:xfrm>
+          <a:prstGeom prst="rect">
+            <a:avLst/>
+          </a:prstGeom>
+        </p:spPr>
+        <p:style>
+          <a:lnRef idx="1">
+            <a:schemeClr val="accent6"/>
+          </a:lnRef>
+          <a:fillRef idx="3">
+            <a:schemeClr val="accent6"/>
+          </a:fillRef>
+          <a:effectRef idx="2">
+            <a:schemeClr val="accent6"/>
+          </a:effectRef>
+          <a:fontRef idx="minor">
+            <a:schemeClr val="lt1"/>
+          </a:fontRef>
+        </p:style>
+        <p:txBody>
+          <a:bodyPr rtlCol="0" anchor="ctr"/>
+          <a:lstStyle/>
+          <a:p>
+            <a:pPr algn="ctr"/>
+            <a:endParaRPr lang="es-ES"/>
+          </a:p>
+        </p:txBody>
+      </p:sp>
     </p:spTree>
     <p:extLst>
       <p:ext uri="{BB962C8B-B14F-4D97-AF65-F5344CB8AC3E}">
@@ -8756,6 +9022,44 @@
           </a:p>
         </p:txBody>
       </p:sp>
+      <p:sp>
+        <p:nvSpPr>
+          <p:cNvPr id="4" name="Rectángulo 3"/>
+          <p:cNvSpPr/>
+          <p:nvPr/>
+        </p:nvSpPr>
+        <p:spPr>
+          <a:xfrm>
+            <a:off x="303733" y="284177"/>
+            <a:ext cx="708690" cy="423123"/>
+          </a:xfrm>
+          <a:prstGeom prst="rect">
+            <a:avLst/>
+          </a:prstGeom>
+        </p:spPr>
+        <p:style>
+          <a:lnRef idx="1">
+            <a:schemeClr val="accent6"/>
+          </a:lnRef>
+          <a:fillRef idx="3">
+            <a:schemeClr val="accent6"/>
+          </a:fillRef>
+          <a:effectRef idx="2">
+            <a:schemeClr val="accent6"/>
+          </a:effectRef>
+          <a:fontRef idx="minor">
+            <a:schemeClr val="lt1"/>
+          </a:fontRef>
+        </p:style>
+        <p:txBody>
+          <a:bodyPr rtlCol="0" anchor="ctr"/>
+          <a:lstStyle/>
+          <a:p>
+            <a:pPr algn="ctr"/>
+            <a:endParaRPr lang="es-ES"/>
+          </a:p>
+        </p:txBody>
+      </p:sp>
     </p:spTree>
     <p:extLst>
       <p:ext uri="{BB962C8B-B14F-4D97-AF65-F5344CB8AC3E}">
@@ -8903,6 +9207,44 @@
           </a:p>
           <a:p>
             <a:endParaRPr lang="es-MX" dirty="0"/>
+          </a:p>
+        </p:txBody>
+      </p:sp>
+      <p:sp>
+        <p:nvSpPr>
+          <p:cNvPr id="4" name="Rectángulo 3"/>
+          <p:cNvSpPr/>
+          <p:nvPr/>
+        </p:nvSpPr>
+        <p:spPr>
+          <a:xfrm>
+            <a:off x="303733" y="284177"/>
+            <a:ext cx="708690" cy="423123"/>
+          </a:xfrm>
+          <a:prstGeom prst="rect">
+            <a:avLst/>
+          </a:prstGeom>
+        </p:spPr>
+        <p:style>
+          <a:lnRef idx="1">
+            <a:schemeClr val="accent6"/>
+          </a:lnRef>
+          <a:fillRef idx="3">
+            <a:schemeClr val="accent6"/>
+          </a:fillRef>
+          <a:effectRef idx="2">
+            <a:schemeClr val="accent6"/>
+          </a:effectRef>
+          <a:fontRef idx="minor">
+            <a:schemeClr val="lt1"/>
+          </a:fontRef>
+        </p:style>
+        <p:txBody>
+          <a:bodyPr rtlCol="0" anchor="ctr"/>
+          <a:lstStyle/>
+          <a:p>
+            <a:pPr algn="ctr"/>
+            <a:endParaRPr lang="es-ES"/>
           </a:p>
         </p:txBody>
       </p:sp>
@@ -9201,23 +9543,11 @@
             </a:pPr>
             <a:r>
               <a:rPr lang="es-ES_tradnl" sz="1600" b="1" dirty="0" smtClean="0"/>
-              <a:t>¿Cómo trabajamos</a:t>
-            </a:r>
-            <a:r>
-              <a:rPr lang="es-ES_tradnl" sz="1600" b="1" dirty="0" smtClean="0"/>
-              <a:t>? </a:t>
+              <a:t>¿Cómo trabajamos? </a:t>
             </a:r>
             <a:r>
               <a:rPr lang="es-ES_tradnl" sz="1600" b="1" smtClean="0"/>
-              <a:t>Galer</a:t>
-            </a:r>
-            <a:r>
-              <a:rPr lang="es-ES_tradnl" sz="1600" b="1" smtClean="0"/>
-              <a:t>í</a:t>
-            </a:r>
-            <a:r>
-              <a:rPr lang="es-ES_tradnl" sz="1600" b="1" smtClean="0"/>
-              <a:t>a</a:t>
+              <a:t>Galería</a:t>
             </a:r>
             <a:endParaRPr lang="es-ES_tradnl" sz="1600" b="1" dirty="0"/>
           </a:p>
@@ -9797,6 +10127,44 @@
                 <a:prstClr val="black"/>
               </a:solidFill>
             </a:endParaRPr>
+          </a:p>
+        </p:txBody>
+      </p:sp>
+      <p:sp>
+        <p:nvSpPr>
+          <p:cNvPr id="17" name="Rectángulo 16"/>
+          <p:cNvSpPr/>
+          <p:nvPr/>
+        </p:nvSpPr>
+        <p:spPr>
+          <a:xfrm>
+            <a:off x="303733" y="284177"/>
+            <a:ext cx="708690" cy="423123"/>
+          </a:xfrm>
+          <a:prstGeom prst="rect">
+            <a:avLst/>
+          </a:prstGeom>
+        </p:spPr>
+        <p:style>
+          <a:lnRef idx="1">
+            <a:schemeClr val="accent6"/>
+          </a:lnRef>
+          <a:fillRef idx="3">
+            <a:schemeClr val="accent6"/>
+          </a:fillRef>
+          <a:effectRef idx="2">
+            <a:schemeClr val="accent6"/>
+          </a:effectRef>
+          <a:fontRef idx="minor">
+            <a:schemeClr val="lt1"/>
+          </a:fontRef>
+        </p:style>
+        <p:txBody>
+          <a:bodyPr rtlCol="0" anchor="ctr"/>
+          <a:lstStyle/>
+          <a:p>
+            <a:pPr algn="ctr"/>
+            <a:endParaRPr lang="es-ES"/>
           </a:p>
         </p:txBody>
       </p:sp>
@@ -10573,6 +10941,44 @@
               <a:t>Somos un despacho de consultoría reconocido en la región por generar soluciones creativas e innovadoras, que contribuyen a la creación de valor para nuestros clientes. Nos distingue un desempeño basado en principios y valores sólidos, que nos llevan a la búsqueda de relaciones ganar-ganar.</a:t>
             </a:r>
             <a:endParaRPr lang="es-MX" dirty="0"/>
+          </a:p>
+        </p:txBody>
+      </p:sp>
+      <p:sp>
+        <p:nvSpPr>
+          <p:cNvPr id="10" name="Rectángulo 9"/>
+          <p:cNvSpPr/>
+          <p:nvPr/>
+        </p:nvSpPr>
+        <p:spPr>
+          <a:xfrm>
+            <a:off x="303733" y="284177"/>
+            <a:ext cx="708690" cy="423123"/>
+          </a:xfrm>
+          <a:prstGeom prst="rect">
+            <a:avLst/>
+          </a:prstGeom>
+        </p:spPr>
+        <p:style>
+          <a:lnRef idx="1">
+            <a:schemeClr val="accent6"/>
+          </a:lnRef>
+          <a:fillRef idx="3">
+            <a:schemeClr val="accent6"/>
+          </a:fillRef>
+          <a:effectRef idx="2">
+            <a:schemeClr val="accent6"/>
+          </a:effectRef>
+          <a:fontRef idx="minor">
+            <a:schemeClr val="lt1"/>
+          </a:fontRef>
+        </p:style>
+        <p:txBody>
+          <a:bodyPr rtlCol="0" anchor="ctr"/>
+          <a:lstStyle/>
+          <a:p>
+            <a:pPr algn="ctr"/>
+            <a:endParaRPr lang="es-ES"/>
           </a:p>
         </p:txBody>
       </p:sp>
@@ -11920,31 +12326,7 @@
             <a:pPr algn="just"/>
             <a:r>
               <a:rPr lang="es-ES_tradnl" sz="1400" kern="1200" dirty="0" smtClean="0"/>
-              <a:t>En </a:t>
-            </a:r>
-            <a:r>
-              <a:rPr lang="es-ES_tradnl" sz="1400" kern="1200" dirty="0" err="1" smtClean="0"/>
-              <a:t>Konkura</a:t>
-            </a:r>
-            <a:r>
-              <a:rPr lang="es-ES_tradnl" sz="1400" kern="1200" dirty="0" smtClean="0"/>
-              <a:t> consideramos que el diagnóstico como una estrategia para </a:t>
-            </a:r>
-            <a:r>
-              <a:rPr lang="es-ES_tradnl" sz="1400" dirty="0" smtClean="0"/>
-              <a:t>diseñar soluciones </a:t>
-            </a:r>
-            <a:r>
-              <a:rPr lang="es-ES_tradnl" sz="1400" kern="1200" dirty="0" smtClean="0"/>
-              <a:t>que impacten significativamente en </a:t>
-            </a:r>
-            <a:r>
-              <a:rPr lang="es-ES_tradnl" sz="1400" dirty="0" smtClean="0"/>
-              <a:t>lo</a:t>
-            </a:r>
-            <a:r>
-              <a:rPr lang="es-ES_tradnl" sz="1400" kern="1200" dirty="0" smtClean="0"/>
-              <a:t>s resultados.</a:t>
+              <a:t>T</a:t>
             </a:r>
           </a:p>
           <a:p>
@@ -12118,6 +12500,44 @@
           </a:prstGeom>
         </p:spPr>
       </p:pic>
+      <p:sp>
+        <p:nvSpPr>
+          <p:cNvPr id="15" name="Rectángulo 14"/>
+          <p:cNvSpPr/>
+          <p:nvPr/>
+        </p:nvSpPr>
+        <p:spPr>
+          <a:xfrm>
+            <a:off x="303733" y="284177"/>
+            <a:ext cx="708690" cy="423123"/>
+          </a:xfrm>
+          <a:prstGeom prst="rect">
+            <a:avLst/>
+          </a:prstGeom>
+        </p:spPr>
+        <p:style>
+          <a:lnRef idx="1">
+            <a:schemeClr val="accent6"/>
+          </a:lnRef>
+          <a:fillRef idx="3">
+            <a:schemeClr val="accent6"/>
+          </a:fillRef>
+          <a:effectRef idx="2">
+            <a:schemeClr val="accent6"/>
+          </a:effectRef>
+          <a:fontRef idx="minor">
+            <a:schemeClr val="lt1"/>
+          </a:fontRef>
+        </p:style>
+        <p:txBody>
+          <a:bodyPr rtlCol="0" anchor="ctr"/>
+          <a:lstStyle/>
+          <a:p>
+            <a:pPr algn="ctr"/>
+            <a:endParaRPr lang="es-ES"/>
+          </a:p>
+        </p:txBody>
+      </p:sp>
     </p:spTree>
     <p:extLst>
       <p:ext uri="{BB962C8B-B14F-4D97-AF65-F5344CB8AC3E}">
@@ -13412,6 +13832,44 @@
           </a:prstGeom>
         </p:spPr>
       </p:pic>
+      <p:sp>
+        <p:nvSpPr>
+          <p:cNvPr id="22" name="Rectángulo 21"/>
+          <p:cNvSpPr/>
+          <p:nvPr/>
+        </p:nvSpPr>
+        <p:spPr>
+          <a:xfrm>
+            <a:off x="303733" y="284177"/>
+            <a:ext cx="708690" cy="423123"/>
+          </a:xfrm>
+          <a:prstGeom prst="rect">
+            <a:avLst/>
+          </a:prstGeom>
+        </p:spPr>
+        <p:style>
+          <a:lnRef idx="1">
+            <a:schemeClr val="accent6"/>
+          </a:lnRef>
+          <a:fillRef idx="3">
+            <a:schemeClr val="accent6"/>
+          </a:fillRef>
+          <a:effectRef idx="2">
+            <a:schemeClr val="accent6"/>
+          </a:effectRef>
+          <a:fontRef idx="minor">
+            <a:schemeClr val="lt1"/>
+          </a:fontRef>
+        </p:style>
+        <p:txBody>
+          <a:bodyPr rtlCol="0" anchor="ctr"/>
+          <a:lstStyle/>
+          <a:p>
+            <a:pPr algn="ctr"/>
+            <a:endParaRPr lang="es-ES"/>
+          </a:p>
+        </p:txBody>
+      </p:sp>
     </p:spTree>
     <p:extLst>
       <p:ext uri="{BB962C8B-B14F-4D97-AF65-F5344CB8AC3E}">
@@ -14693,6 +15151,44 @@
           </a:prstGeom>
         </p:spPr>
       </p:pic>
+      <p:sp>
+        <p:nvSpPr>
+          <p:cNvPr id="23" name="Rectángulo 22"/>
+          <p:cNvSpPr/>
+          <p:nvPr/>
+        </p:nvSpPr>
+        <p:spPr>
+          <a:xfrm>
+            <a:off x="303733" y="284177"/>
+            <a:ext cx="708690" cy="423123"/>
+          </a:xfrm>
+          <a:prstGeom prst="rect">
+            <a:avLst/>
+          </a:prstGeom>
+        </p:spPr>
+        <p:style>
+          <a:lnRef idx="1">
+            <a:schemeClr val="accent6"/>
+          </a:lnRef>
+          <a:fillRef idx="3">
+            <a:schemeClr val="accent6"/>
+          </a:fillRef>
+          <a:effectRef idx="2">
+            <a:schemeClr val="accent6"/>
+          </a:effectRef>
+          <a:fontRef idx="minor">
+            <a:schemeClr val="lt1"/>
+          </a:fontRef>
+        </p:style>
+        <p:txBody>
+          <a:bodyPr rtlCol="0" anchor="ctr"/>
+          <a:lstStyle/>
+          <a:p>
+            <a:pPr algn="ctr"/>
+            <a:endParaRPr lang="es-ES"/>
+          </a:p>
+        </p:txBody>
+      </p:sp>
     </p:spTree>
     <p:extLst>
       <p:ext uri="{BB962C8B-B14F-4D97-AF65-F5344CB8AC3E}">
